--- a/PPT/pres3.pptx
+++ b/PPT/pres3.pptx
@@ -5,11 +5,12 @@
     <p:sldMasterId id="2147483648" r:id="rId1"/>
   </p:sldMasterIdLst>
   <p:notesMasterIdLst>
-    <p:notesMasterId r:id="rId4"/>
+    <p:notesMasterId r:id="rId5"/>
   </p:notesMasterIdLst>
   <p:sldIdLst>
     <p:sldId id="257" r:id="rId2"/>
     <p:sldId id="258" r:id="rId3"/>
+    <p:sldId id="259" r:id="rId4"/>
   </p:sldIdLst>
   <p:sldSz cx="9144000" cy="6858000" type="screen4x3"/>
   <p:notesSz cx="6858000" cy="9144000"/>
@@ -3555,8 +3556,8 @@
         </p:blipFill>
         <p:spPr>
           <a:xfrm>
-            <a:off x="0" y="-1"/>
-            <a:ext cx="9141779" cy="3733801"/>
+            <a:off x="4114800" y="28697"/>
+            <a:ext cx="5029200" cy="3733801"/>
           </a:xfrm>
           <a:prstGeom prst="rect">
             <a:avLst/>
@@ -3585,8 +3586,8 @@
         </p:blipFill>
         <p:spPr>
           <a:xfrm>
-            <a:off x="176152" y="3660799"/>
-            <a:ext cx="8737957" cy="3197201"/>
+            <a:off x="4344691" y="3660798"/>
+            <a:ext cx="4799309" cy="3197201"/>
           </a:xfrm>
           <a:prstGeom prst="rect">
             <a:avLst/>
@@ -3615,8 +3616,8 @@
           </a:stretch>
         </p:blipFill>
         <p:spPr bwMode="auto">
-          <a:xfrm rot="840387">
-            <a:off x="7249273" y="329428"/>
+          <a:xfrm rot="786599">
+            <a:off x="7378363" y="212071"/>
             <a:ext cx="1685649" cy="1386884"/>
           </a:xfrm>
           <a:prstGeom prst="rect">
@@ -3647,60 +3648,77 @@
           </a:extLst>
         </p:spPr>
       </p:pic>
-      <p:pic>
-        <p:nvPicPr>
-          <p:cNvPr id="1028" name="Picture 4"/>
-          <p:cNvPicPr>
-            <a:picLocks noChangeAspect="1" noChangeArrowheads="1"/>
-          </p:cNvPicPr>
+      <p:sp>
+        <p:nvSpPr>
+          <p:cNvPr id="7" name="TextBox 6"/>
+          <p:cNvSpPr txBox="1"/>
           <p:nvPr/>
-        </p:nvPicPr>
-        <p:blipFill>
-          <a:blip r:embed="rId5">
-            <a:extLst>
-              <a:ext uri="{28A0092B-C50C-407E-A947-70E740481C1C}">
-                <a14:useLocalDpi xmlns:a14="http://schemas.microsoft.com/office/drawing/2010/main" val="0"/>
-              </a:ext>
-            </a:extLst>
-          </a:blip>
-          <a:srcRect/>
-          <a:stretch>
-            <a:fillRect/>
-          </a:stretch>
-        </p:blipFill>
-        <p:spPr bwMode="auto">
-          <a:xfrm rot="20852402">
-            <a:off x="140941" y="2751373"/>
-            <a:ext cx="1479849" cy="1398368"/>
+        </p:nvSpPr>
+        <p:spPr>
+          <a:xfrm>
+            <a:off x="148441" y="457200"/>
+            <a:ext cx="4118759" cy="6155531"/>
           </a:xfrm>
           <a:prstGeom prst="rect">
             <a:avLst/>
           </a:prstGeom>
           <a:noFill/>
-          <a:ln>
-            <a:noFill/>
-          </a:ln>
-          <a:extLst>
-            <a:ext uri="{909E8E84-426E-40DD-AFC4-6F175D3DCCD1}">
-              <a14:hiddenFill xmlns:a14="http://schemas.microsoft.com/office/drawing/2010/main">
-                <a:solidFill>
-                  <a:schemeClr val="accent1"/>
-                </a:solidFill>
-              </a14:hiddenFill>
-            </a:ext>
-            <a:ext uri="{91240B29-F687-4F45-9708-019B960494DF}">
-              <a14:hiddenLine xmlns:a14="http://schemas.microsoft.com/office/drawing/2010/main" w="9525">
-                <a:solidFill>
-                  <a:schemeClr val="tx1"/>
-                </a:solidFill>
-                <a:miter lim="800000"/>
-                <a:headEnd/>
-                <a:tailEnd/>
-              </a14:hiddenLine>
-            </a:ext>
-          </a:extLst>
         </p:spPr>
-      </p:pic>
+        <p:txBody>
+          <a:bodyPr wrap="square" rtlCol="0">
+            <a:spAutoFit/>
+          </a:bodyPr>
+          <a:lstStyle/>
+          <a:p>
+            <a:r>
+              <a:rPr lang="en-US" sz="2400" dirty="0" smtClean="0"/>
+              <a:t>Sentimental Analysis</a:t>
+            </a:r>
+          </a:p>
+          <a:p>
+            <a:r>
+              <a:rPr lang="en-US" sz="1600" dirty="0" smtClean="0"/>
+              <a:t>(a computational study of opinions)</a:t>
+            </a:r>
+          </a:p>
+          <a:p>
+            <a:endParaRPr lang="en-US" dirty="0" smtClean="0"/>
+          </a:p>
+          <a:p>
+            <a:r>
+              <a:rPr lang="en-US" dirty="0" smtClean="0"/>
+              <a:t> 	</a:t>
+            </a:r>
+            <a:r>
+              <a:rPr lang="en-US" sz="2000" dirty="0" smtClean="0"/>
+              <a:t>An attempt to analyze posts/survey data coming in and generate easily interpretable representation (graphs/heat maps) on products, quality of service etc.</a:t>
+            </a:r>
+          </a:p>
+          <a:p>
+            <a:endParaRPr lang="en-US" sz="2000" dirty="0" smtClean="0"/>
+          </a:p>
+          <a:p>
+            <a:r>
+              <a:rPr lang="en-US" sz="2000" dirty="0" smtClean="0"/>
+              <a:t>The amount of feedback/survey data generated is voluminous and manually going through comments to generate opinion data is time-consuming. Sentiment Analysis automates this entire process providing valuable information on area of improvement, quality of service and product acceptance</a:t>
+            </a:r>
+            <a:r>
+              <a:rPr lang="en-US" dirty="0" smtClean="0"/>
+              <a:t>.</a:t>
+            </a:r>
+          </a:p>
+          <a:p>
+            <a:endParaRPr lang="en-US" dirty="0"/>
+          </a:p>
+          <a:p>
+            <a:r>
+              <a:rPr lang="en-US" dirty="0" smtClean="0"/>
+              <a:t>	 </a:t>
+            </a:r>
+            <a:endParaRPr lang="en-US" dirty="0"/>
+          </a:p>
+        </p:txBody>
+      </p:sp>
     </p:spTree>
     <p:extLst>
       <p:ext uri="{BB962C8B-B14F-4D97-AF65-F5344CB8AC3E}">
@@ -3852,6 +3870,10 @@
               </a:rPr>
               <a:t>Present Situation</a:t>
             </a:r>
+            <a:endParaRPr lang="en-US" sz="2000" dirty="0" smtClean="0">
+              <a:latin typeface="+mj-lt"/>
+              <a:cs typeface="Aharoni" panose="02010803020104030203" pitchFamily="2" charset="-79"/>
+            </a:endParaRPr>
           </a:p>
           <a:p>
             <a:r>
@@ -4243,6 +4265,43 @@
     <p:extLst>
       <p:ext uri="{BB962C8B-B14F-4D97-AF65-F5344CB8AC3E}">
         <p14:creationId xmlns:p14="http://schemas.microsoft.com/office/powerpoint/2010/main" val="2129094922"/>
+      </p:ext>
+    </p:extLst>
+  </p:cSld>
+  <p:clrMapOvr>
+    <a:masterClrMapping/>
+  </p:clrMapOvr>
+  <p:timing>
+    <p:tnLst>
+      <p:par>
+        <p:cTn id="1" dur="indefinite" restart="never" nodeType="tmRoot"/>
+      </p:par>
+    </p:tnLst>
+  </p:timing>
+</p:sld>
+</file>
+
+<file path=ppt/slides/slide3.xml><?xml version="1.0" encoding="utf-8"?>
+<p:sld xmlns:a="http://schemas.openxmlformats.org/drawingml/2006/main" xmlns:r="http://schemas.openxmlformats.org/officeDocument/2006/relationships" xmlns:p="http://schemas.openxmlformats.org/presentationml/2006/main">
+  <p:cSld>
+    <p:spTree>
+      <p:nvGrpSpPr>
+        <p:cNvPr id="1" name=""/>
+        <p:cNvGrpSpPr/>
+        <p:nvPr/>
+      </p:nvGrpSpPr>
+      <p:grpSpPr>
+        <a:xfrm>
+          <a:off x="0" y="0"/>
+          <a:ext cx="0" cy="0"/>
+          <a:chOff x="0" y="0"/>
+          <a:chExt cx="0" cy="0"/>
+        </a:xfrm>
+      </p:grpSpPr>
+    </p:spTree>
+    <p:extLst>
+      <p:ext uri="{BB962C8B-B14F-4D97-AF65-F5344CB8AC3E}">
+        <p14:creationId xmlns:p14="http://schemas.microsoft.com/office/powerpoint/2010/main" val="3803978127"/>
       </p:ext>
     </p:extLst>
   </p:cSld>
